--- a/python/lecture/Python0.pptx
+++ b/python/lecture/Python0.pptx
@@ -236,7 +236,7 @@
           <a:p>
             <a:fld id="{FF364501-C942-42DD-AD31-F3CE5B780F35}" type="datetimeFigureOut">
               <a:rPr lang="zh-CN" altLang="en-US" smtClean="0"/>
-              <a:t>2017/6/23</a:t>
+              <a:t>2017/6/24</a:t>
             </a:fld>
             <a:endParaRPr lang="zh-CN" altLang="en-US"/>
           </a:p>
@@ -3758,7 +3758,7 @@
           <a:p>
             <a:fld id="{A10A6A3A-5452-40C4-91E0-E2F3EE3444B3}" type="datetimeFigureOut">
               <a:rPr lang="zh-CN" altLang="en-US" smtClean="0"/>
-              <a:t>2017/6/23</a:t>
+              <a:t>2017/6/24</a:t>
             </a:fld>
             <a:endParaRPr lang="zh-CN" altLang="en-US"/>
           </a:p>
@@ -4096,7 +4096,7 @@
           <a:p>
             <a:fld id="{A10A6A3A-5452-40C4-91E0-E2F3EE3444B3}" type="datetimeFigureOut">
               <a:rPr lang="zh-CN" altLang="en-US" smtClean="0"/>
-              <a:t>2017/6/23</a:t>
+              <a:t>2017/6/24</a:t>
             </a:fld>
             <a:endParaRPr lang="zh-CN" altLang="en-US"/>
           </a:p>
@@ -4497,7 +4497,7 @@
           <a:p>
             <a:fld id="{A10A6A3A-5452-40C4-91E0-E2F3EE3444B3}" type="datetimeFigureOut">
               <a:rPr lang="zh-CN" altLang="en-US" smtClean="0"/>
-              <a:t>2017/6/23</a:t>
+              <a:t>2017/6/24</a:t>
             </a:fld>
             <a:endParaRPr lang="zh-CN" altLang="en-US"/>
           </a:p>
@@ -4833,7 +4833,7 @@
           <a:p>
             <a:fld id="{A10A6A3A-5452-40C4-91E0-E2F3EE3444B3}" type="datetimeFigureOut">
               <a:rPr lang="zh-CN" altLang="en-US" smtClean="0"/>
-              <a:t>2017/6/23</a:t>
+              <a:t>2017/6/24</a:t>
             </a:fld>
             <a:endParaRPr lang="zh-CN" altLang="en-US"/>
           </a:p>
@@ -5153,7 +5153,7 @@
           <a:p>
             <a:fld id="{A10A6A3A-5452-40C4-91E0-E2F3EE3444B3}" type="datetimeFigureOut">
               <a:rPr lang="zh-CN" altLang="en-US" smtClean="0"/>
-              <a:t>2017/6/23</a:t>
+              <a:t>2017/6/24</a:t>
             </a:fld>
             <a:endParaRPr lang="zh-CN" altLang="en-US"/>
           </a:p>
@@ -5549,7 +5549,7 @@
           <a:p>
             <a:fld id="{A10A6A3A-5452-40C4-91E0-E2F3EE3444B3}" type="datetimeFigureOut">
               <a:rPr lang="zh-CN" altLang="en-US" smtClean="0"/>
-              <a:t>2017/6/23</a:t>
+              <a:t>2017/6/24</a:t>
             </a:fld>
             <a:endParaRPr lang="zh-CN" altLang="en-US"/>
           </a:p>
@@ -5806,7 +5806,7 @@
           <a:p>
             <a:fld id="{A10A6A3A-5452-40C4-91E0-E2F3EE3444B3}" type="datetimeFigureOut">
               <a:rPr lang="zh-CN" altLang="en-US" smtClean="0"/>
-              <a:t>2017/6/23</a:t>
+              <a:t>2017/6/24</a:t>
             </a:fld>
             <a:endParaRPr lang="zh-CN" altLang="en-US"/>
           </a:p>
@@ -6068,7 +6068,7 @@
           <a:p>
             <a:fld id="{A10A6A3A-5452-40C4-91E0-E2F3EE3444B3}" type="datetimeFigureOut">
               <a:rPr lang="zh-CN" altLang="en-US" smtClean="0"/>
-              <a:t>2017/6/23</a:t>
+              <a:t>2017/6/24</a:t>
             </a:fld>
             <a:endParaRPr lang="zh-CN" altLang="en-US"/>
           </a:p>
@@ -6330,7 +6330,7 @@
           <a:p>
             <a:fld id="{A10A6A3A-5452-40C4-91E0-E2F3EE3444B3}" type="datetimeFigureOut">
               <a:rPr lang="zh-CN" altLang="en-US" smtClean="0"/>
-              <a:t>2017/6/23</a:t>
+              <a:t>2017/6/24</a:t>
             </a:fld>
             <a:endParaRPr lang="zh-CN" altLang="en-US"/>
           </a:p>
@@ -6659,7 +6659,7 @@
           <a:p>
             <a:fld id="{A10A6A3A-5452-40C4-91E0-E2F3EE3444B3}" type="datetimeFigureOut">
               <a:rPr lang="zh-CN" altLang="en-US" smtClean="0"/>
-              <a:t>2017/6/23</a:t>
+              <a:t>2017/6/24</a:t>
             </a:fld>
             <a:endParaRPr lang="zh-CN" altLang="en-US"/>
           </a:p>
@@ -6982,7 +6982,7 @@
           <a:p>
             <a:fld id="{A10A6A3A-5452-40C4-91E0-E2F3EE3444B3}" type="datetimeFigureOut">
               <a:rPr lang="zh-CN" altLang="en-US" smtClean="0"/>
-              <a:t>2017/6/23</a:t>
+              <a:t>2017/6/24</a:t>
             </a:fld>
             <a:endParaRPr lang="zh-CN" altLang="en-US"/>
           </a:p>
@@ -7439,7 +7439,7 @@
           <a:p>
             <a:fld id="{A10A6A3A-5452-40C4-91E0-E2F3EE3444B3}" type="datetimeFigureOut">
               <a:rPr lang="zh-CN" altLang="en-US" smtClean="0"/>
-              <a:t>2017/6/23</a:t>
+              <a:t>2017/6/24</a:t>
             </a:fld>
             <a:endParaRPr lang="zh-CN" altLang="en-US"/>
           </a:p>
@@ -7644,7 +7644,7 @@
           <a:p>
             <a:fld id="{A10A6A3A-5452-40C4-91E0-E2F3EE3444B3}" type="datetimeFigureOut">
               <a:rPr lang="zh-CN" altLang="en-US" smtClean="0"/>
-              <a:t>2017/6/23</a:t>
+              <a:t>2017/6/24</a:t>
             </a:fld>
             <a:endParaRPr lang="zh-CN" altLang="en-US"/>
           </a:p>
@@ -7821,7 +7821,7 @@
           <a:p>
             <a:fld id="{A10A6A3A-5452-40C4-91E0-E2F3EE3444B3}" type="datetimeFigureOut">
               <a:rPr lang="zh-CN" altLang="en-US" smtClean="0"/>
-              <a:t>2017/6/23</a:t>
+              <a:t>2017/6/24</a:t>
             </a:fld>
             <a:endParaRPr lang="zh-CN" altLang="en-US"/>
           </a:p>
@@ -8154,7 +8154,7 @@
           <a:p>
             <a:fld id="{A10A6A3A-5452-40C4-91E0-E2F3EE3444B3}" type="datetimeFigureOut">
               <a:rPr lang="zh-CN" altLang="en-US" smtClean="0"/>
-              <a:t>2017/6/23</a:t>
+              <a:t>2017/6/24</a:t>
             </a:fld>
             <a:endParaRPr lang="zh-CN" altLang="en-US"/>
           </a:p>
@@ -8499,7 +8499,7 @@
           <a:p>
             <a:fld id="{A10A6A3A-5452-40C4-91E0-E2F3EE3444B3}" type="datetimeFigureOut">
               <a:rPr lang="zh-CN" altLang="en-US" smtClean="0"/>
-              <a:t>2017/6/23</a:t>
+              <a:t>2017/6/24</a:t>
             </a:fld>
             <a:endParaRPr lang="zh-CN" altLang="en-US"/>
           </a:p>
@@ -10616,7 +10616,7 @@
           <a:p>
             <a:fld id="{A10A6A3A-5452-40C4-91E0-E2F3EE3444B3}" type="datetimeFigureOut">
               <a:rPr lang="zh-CN" altLang="en-US" smtClean="0"/>
-              <a:t>2017/6/23</a:t>
+              <a:t>2017/6/24</a:t>
             </a:fld>
             <a:endParaRPr lang="zh-CN" altLang="en-US"/>
           </a:p>
@@ -11162,11 +11162,7 @@
             </a:r>
             <a:r>
               <a:rPr lang="zh-CN" altLang="en-US" dirty="0" smtClean="0"/>
-              <a:t>设计</a:t>
-            </a:r>
-            <a:r>
-              <a:rPr lang="zh-CN" altLang="en-US" dirty="0" smtClean="0"/>
-              <a:t>基础</a:t>
+              <a:t>设计基础</a:t>
             </a:r>
             <a:r>
               <a:rPr lang="en-US" altLang="zh-CN" dirty="0" smtClean="0"/>
@@ -11221,11 +11217,7 @@
             <a:pPr algn="r"/>
             <a:r>
               <a:rPr lang="zh-CN" altLang="en-US" dirty="0" smtClean="0"/>
-              <a:t>朱海</a:t>
-            </a:r>
-            <a:r>
-              <a:rPr lang="zh-CN" altLang="en-US" dirty="0" smtClean="0"/>
-              <a:t>东</a:t>
+              <a:t>朱海东</a:t>
             </a:r>
             <a:endParaRPr lang="en-US" altLang="zh-CN" dirty="0" smtClean="0"/>
           </a:p>
@@ -11727,7 +11719,7 @@
             <p:ph idx="1"/>
             <p:extLst>
               <p:ext uri="{D42A27DB-BD31-4B8C-83A1-F6EECF244321}">
-                <p14:modId xmlns:p14="http://schemas.microsoft.com/office/powerpoint/2010/main" val="4120683983"/>
+                <p14:modId xmlns:p14="http://schemas.microsoft.com/office/powerpoint/2010/main" val="1540561907"/>
               </p:ext>
             </p:extLst>
           </p:nvPr>
@@ -12155,10 +12147,16 @@
                     <a:lstStyle/>
                     <a:p>
                       <a:r>
-                        <a:rPr lang="en-US" altLang="zh-CN">
+                        <a:rPr lang="en-US" altLang="zh-CN" smtClean="0">
                           <a:effectLst/>
                         </a:rPr>
-                        <a:t>&lt;&gt; == !=</a:t>
+                        <a:t>== </a:t>
+                      </a:r>
+                      <a:r>
+                        <a:rPr lang="en-US" altLang="zh-CN" dirty="0">
+                          <a:effectLst/>
+                        </a:rPr>
+                        <a:t>!=</a:t>
                       </a:r>
                     </a:p>
                   </a:txBody>
@@ -14173,19 +14171,11 @@
             </a:r>
             <a:r>
               <a:rPr lang="en-US" altLang="zh-CN" dirty="0" smtClean="0"/>
-              <a:t>——help </a:t>
-            </a:r>
-            <a:r>
-              <a:rPr lang="en-US" altLang="zh-CN" dirty="0" smtClean="0"/>
-              <a:t>&amp; </a:t>
-            </a:r>
-            <a:r>
-              <a:rPr lang="zh-CN" altLang="en-US" dirty="0" smtClean="0"/>
-              <a:t>自动</a:t>
-            </a:r>
-            <a:r>
-              <a:rPr lang="zh-CN" altLang="en-US" dirty="0" smtClean="0"/>
-              <a:t>补全</a:t>
+              <a:t>——help &amp; </a:t>
+            </a:r>
+            <a:r>
+              <a:rPr lang="zh-CN" altLang="en-US" dirty="0" smtClean="0"/>
+              <a:t>自动补全</a:t>
             </a:r>
             <a:endParaRPr lang="zh-CN" altLang="en-US" dirty="0"/>
           </a:p>
@@ -15657,11 +15647,7 @@
             </a:r>
             <a:r>
               <a:rPr lang="zh-CN" altLang="en-US" dirty="0" smtClean="0"/>
-              <a:t>是</a:t>
-            </a:r>
-            <a:r>
-              <a:rPr lang="zh-CN" altLang="en-US" dirty="0" smtClean="0"/>
-              <a:t>什么</a:t>
+              <a:t>是什么</a:t>
             </a:r>
             <a:endParaRPr lang="en-US" altLang="zh-CN" dirty="0" smtClean="0"/>
           </a:p>
